--- a/캡스톤 발표자료01.pptx
+++ b/캡스톤 발표자료01.pptx
@@ -130,10 +130,10 @@
           <c:layoutTarget val="inner"/>
           <c:xMode val="edge"/>
           <c:yMode val="edge"/>
-          <c:x val="0.11922268907563037"/>
+          <c:x val="0.11922268907563043"/>
           <c:y val="0.16112499999999999"/>
           <c:w val="0.72872804160423865"/>
-          <c:h val="0.69612500000000055"/>
+          <c:h val="0.69612500000000077"/>
         </c:manualLayout>
       </c:layout>
       <c:barChart>
@@ -255,25 +255,25 @@
         </c:ser>
         <c:gapWidth val="312"/>
         <c:overlap val="-63"/>
-        <c:axId val="54756864"/>
-        <c:axId val="76626560"/>
+        <c:axId val="48240128"/>
+        <c:axId val="73201536"/>
       </c:barChart>
       <c:catAx>
-        <c:axId val="54756864"/>
+        <c:axId val="48240128"/>
         <c:scaling>
           <c:orientation val="minMax"/>
         </c:scaling>
         <c:axPos val="b"/>
         <c:numFmt formatCode="General" sourceLinked="1"/>
         <c:tickLblPos val="nextTo"/>
-        <c:crossAx val="76626560"/>
+        <c:crossAx val="73201536"/>
         <c:crosses val="autoZero"/>
         <c:auto val="1"/>
         <c:lblAlgn val="ctr"/>
         <c:lblOffset val="100"/>
       </c:catAx>
       <c:valAx>
-        <c:axId val="76626560"/>
+        <c:axId val="73201536"/>
         <c:scaling>
           <c:orientation val="minMax"/>
         </c:scaling>
@@ -281,7 +281,7 @@
         <c:majorGridlines/>
         <c:numFmt formatCode="General" sourceLinked="0"/>
         <c:tickLblPos val="nextTo"/>
-        <c:crossAx val="54756864"/>
+        <c:crossAx val="48240128"/>
         <c:crosses val="autoZero"/>
         <c:crossBetween val="between"/>
       </c:valAx>
@@ -318,10 +318,10 @@
           <c:layoutTarget val="inner"/>
           <c:xMode val="edge"/>
           <c:yMode val="edge"/>
-          <c:x val="9.3395833333333414E-2"/>
-          <c:y val="6.4752725887599838E-2"/>
+          <c:x val="9.3395833333333456E-2"/>
+          <c:y val="6.4752725887599852E-2"/>
           <c:w val="0.7378541666666667"/>
-          <c:h val="0.77563306458012649"/>
+          <c:h val="0.77563306458012671"/>
         </c:manualLayout>
       </c:layout>
       <c:barChart>
@@ -414,25 +414,25 @@
             </c:numRef>
           </c:val>
         </c:ser>
-        <c:axId val="78948992"/>
-        <c:axId val="78954880"/>
+        <c:axId val="74786688"/>
+        <c:axId val="74788224"/>
       </c:barChart>
       <c:catAx>
-        <c:axId val="78948992"/>
+        <c:axId val="74786688"/>
         <c:scaling>
           <c:orientation val="minMax"/>
         </c:scaling>
         <c:axPos val="b"/>
         <c:numFmt formatCode="General" sourceLinked="1"/>
         <c:tickLblPos val="nextTo"/>
-        <c:crossAx val="78954880"/>
+        <c:crossAx val="74788224"/>
         <c:crosses val="autoZero"/>
         <c:auto val="1"/>
         <c:lblAlgn val="ctr"/>
         <c:lblOffset val="100"/>
       </c:catAx>
       <c:valAx>
-        <c:axId val="78954880"/>
+        <c:axId val="74788224"/>
         <c:scaling>
           <c:orientation val="minMax"/>
         </c:scaling>
@@ -440,7 +440,7 @@
         <c:majorGridlines/>
         <c:numFmt formatCode="General" sourceLinked="1"/>
         <c:tickLblPos val="nextTo"/>
-        <c:crossAx val="78948992"/>
+        <c:crossAx val="74786688"/>
         <c:crosses val="autoZero"/>
         <c:crossBetween val="between"/>
       </c:valAx>
@@ -4188,7 +4188,7 @@
             <a:fld id="{F928A721-F932-4AD1-A5F6-52B458D51E88}" type="datetimeFigureOut">
               <a:rPr lang="ko-KR" altLang="en-US" smtClean="0"/>
               <a:pPr/>
-              <a:t>2015-03-21</a:t>
+              <a:t>2015-04-01</a:t>
             </a:fld>
             <a:endParaRPr lang="ko-KR" altLang="en-US"/>
           </a:p>
@@ -4355,7 +4355,7 @@
             <a:fld id="{F928A721-F932-4AD1-A5F6-52B458D51E88}" type="datetimeFigureOut">
               <a:rPr lang="ko-KR" altLang="en-US" smtClean="0"/>
               <a:pPr/>
-              <a:t>2015-03-21</a:t>
+              <a:t>2015-04-01</a:t>
             </a:fld>
             <a:endParaRPr lang="ko-KR" altLang="en-US"/>
           </a:p>
@@ -4532,7 +4532,7 @@
             <a:fld id="{F928A721-F932-4AD1-A5F6-52B458D51E88}" type="datetimeFigureOut">
               <a:rPr lang="ko-KR" altLang="en-US" smtClean="0"/>
               <a:pPr/>
-              <a:t>2015-03-21</a:t>
+              <a:t>2015-04-01</a:t>
             </a:fld>
             <a:endParaRPr lang="ko-KR" altLang="en-US"/>
           </a:p>
@@ -4699,7 +4699,7 @@
             <a:fld id="{F928A721-F932-4AD1-A5F6-52B458D51E88}" type="datetimeFigureOut">
               <a:rPr lang="ko-KR" altLang="en-US" smtClean="0"/>
               <a:pPr/>
-              <a:t>2015-03-21</a:t>
+              <a:t>2015-04-01</a:t>
             </a:fld>
             <a:endParaRPr lang="ko-KR" altLang="en-US"/>
           </a:p>
@@ -4942,7 +4942,7 @@
             <a:fld id="{F928A721-F932-4AD1-A5F6-52B458D51E88}" type="datetimeFigureOut">
               <a:rPr lang="ko-KR" altLang="en-US" smtClean="0"/>
               <a:pPr/>
-              <a:t>2015-03-21</a:t>
+              <a:t>2015-04-01</a:t>
             </a:fld>
             <a:endParaRPr lang="ko-KR" altLang="en-US"/>
           </a:p>
@@ -5227,7 +5227,7 @@
             <a:fld id="{F928A721-F932-4AD1-A5F6-52B458D51E88}" type="datetimeFigureOut">
               <a:rPr lang="ko-KR" altLang="en-US" smtClean="0"/>
               <a:pPr/>
-              <a:t>2015-03-21</a:t>
+              <a:t>2015-04-01</a:t>
             </a:fld>
             <a:endParaRPr lang="ko-KR" altLang="en-US"/>
           </a:p>
@@ -5646,7 +5646,7 @@
             <a:fld id="{F928A721-F932-4AD1-A5F6-52B458D51E88}" type="datetimeFigureOut">
               <a:rPr lang="ko-KR" altLang="en-US" smtClean="0"/>
               <a:pPr/>
-              <a:t>2015-03-21</a:t>
+              <a:t>2015-04-01</a:t>
             </a:fld>
             <a:endParaRPr lang="ko-KR" altLang="en-US"/>
           </a:p>
@@ -5761,7 +5761,7 @@
             <a:fld id="{F928A721-F932-4AD1-A5F6-52B458D51E88}" type="datetimeFigureOut">
               <a:rPr lang="ko-KR" altLang="en-US" smtClean="0"/>
               <a:pPr/>
-              <a:t>2015-03-21</a:t>
+              <a:t>2015-04-01</a:t>
             </a:fld>
             <a:endParaRPr lang="ko-KR" altLang="en-US"/>
           </a:p>
@@ -5853,7 +5853,7 @@
             <a:fld id="{F928A721-F932-4AD1-A5F6-52B458D51E88}" type="datetimeFigureOut">
               <a:rPr lang="ko-KR" altLang="en-US" smtClean="0"/>
               <a:pPr/>
-              <a:t>2015-03-21</a:t>
+              <a:t>2015-04-01</a:t>
             </a:fld>
             <a:endParaRPr lang="ko-KR" altLang="en-US"/>
           </a:p>
@@ -6127,7 +6127,7 @@
             <a:fld id="{F928A721-F932-4AD1-A5F6-52B458D51E88}" type="datetimeFigureOut">
               <a:rPr lang="ko-KR" altLang="en-US" smtClean="0"/>
               <a:pPr/>
-              <a:t>2015-03-21</a:t>
+              <a:t>2015-04-01</a:t>
             </a:fld>
             <a:endParaRPr lang="ko-KR" altLang="en-US"/>
           </a:p>
@@ -6377,7 +6377,7 @@
             <a:fld id="{F928A721-F932-4AD1-A5F6-52B458D51E88}" type="datetimeFigureOut">
               <a:rPr lang="ko-KR" altLang="en-US" smtClean="0"/>
               <a:pPr/>
-              <a:t>2015-03-21</a:t>
+              <a:t>2015-04-01</a:t>
             </a:fld>
             <a:endParaRPr lang="ko-KR" altLang="en-US"/>
           </a:p>
@@ -6587,7 +6587,7 @@
             <a:fld id="{F928A721-F932-4AD1-A5F6-52B458D51E88}" type="datetimeFigureOut">
               <a:rPr lang="ko-KR" altLang="en-US" smtClean="0"/>
               <a:pPr/>
-              <a:t>2015-03-21</a:t>
+              <a:t>2015-04-01</a:t>
             </a:fld>
             <a:endParaRPr lang="ko-KR" altLang="en-US"/>
           </a:p>
@@ -7121,8 +7121,12 @@
           <a:lstStyle/>
           <a:p>
             <a:r>
-              <a:rPr lang="ko-KR" altLang="en-US" b="1" dirty="0" smtClean="0"/>
-              <a:t>컴퓨터 소프트웨어 공학과</a:t>
+              <a:rPr lang="ko-KR" altLang="en-US" b="1" smtClean="0"/>
+              <a:t>컴퓨터 </a:t>
+            </a:r>
+            <a:r>
+              <a:rPr lang="ko-KR" altLang="en-US" b="1" smtClean="0"/>
+              <a:t>소프트웨어공학과</a:t>
             </a:r>
             <a:endParaRPr lang="ko-KR" altLang="en-US" b="1" dirty="0"/>
           </a:p>
@@ -17439,7 +17443,6 @@
               <a:rPr lang="en-US" altLang="ko-KR" sz="1600" dirty="0" smtClean="0"/>
               <a:t>: JSP</a:t>
             </a:r>
-            <a:endParaRPr lang="en-US" altLang="ko-KR" sz="1600" dirty="0" smtClean="0"/>
           </a:p>
           <a:p>
             <a:pPr lvl="0"/>
